--- a/個人制作/ゲームコンテスト提出 _企画書.pptx
+++ b/個人制作/ゲームコンテスト提出 _企画書.pptx
@@ -3835,8 +3835,8 @@
         </p:nvSpPr>
         <p:spPr>
           <a:xfrm>
-            <a:off x="5970940" y="1578615"/>
-            <a:ext cx="5337140" cy="3284913"/>
+            <a:off x="6248400" y="1578615"/>
+            <a:ext cx="5059680" cy="4306796"/>
           </a:xfrm>
           <a:prstGeom prst="rect">
             <a:avLst/>
@@ -3879,7 +3879,7 @@
         <p:spPr>
           <a:xfrm>
             <a:off x="937260" y="1569720"/>
-            <a:ext cx="5311140" cy="3284913"/>
+            <a:ext cx="5311140" cy="4315691"/>
           </a:xfrm>
           <a:prstGeom prst="rect">
             <a:avLst/>
@@ -4091,23 +4091,48 @@
       </p:sp>
       <p:sp>
         <p:nvSpPr>
-          <p:cNvPr id="3" name="正方形/長方形 2"/>
-          <p:cNvSpPr/>
+          <p:cNvPr id="5" name="テキスト ボックス 4"/>
+          <p:cNvSpPr txBox="1"/>
           <p:nvPr/>
         </p:nvSpPr>
         <p:spPr>
           <a:xfrm>
-            <a:off x="937260" y="4854633"/>
-            <a:ext cx="10370820" cy="1097280"/>
+            <a:off x="1013460" y="1676400"/>
+            <a:ext cx="2053935" cy="369332"/>
           </a:xfrm>
           <a:prstGeom prst="rect">
             <a:avLst/>
           </a:prstGeom>
-          <a:ln>
-            <a:solidFill>
-              <a:schemeClr val="tx1"/>
-            </a:solidFill>
-          </a:ln>
+          <a:noFill/>
+        </p:spPr>
+        <p:txBody>
+          <a:bodyPr wrap="square" rtlCol="0">
+            <a:spAutoFit/>
+          </a:bodyPr>
+          <a:lstStyle/>
+          <a:p>
+            <a:r>
+              <a:rPr kumimoji="1" lang="ja-JP" altLang="en-US" dirty="0" smtClean="0"/>
+              <a:t>　　パターン１</a:t>
+            </a:r>
+            <a:endParaRPr kumimoji="1" lang="ja-JP" altLang="en-US" dirty="0"/>
+          </a:p>
+        </p:txBody>
+      </p:sp>
+      <p:sp>
+        <p:nvSpPr>
+          <p:cNvPr id="18" name="正方形/長方形 17"/>
+          <p:cNvSpPr/>
+          <p:nvPr/>
+        </p:nvSpPr>
+        <p:spPr>
+          <a:xfrm>
+            <a:off x="6248400" y="1569719"/>
+            <a:ext cx="2194848" cy="616527"/>
+          </a:xfrm>
+          <a:prstGeom prst="rect">
+            <a:avLst/>
+          </a:prstGeom>
         </p:spPr>
         <p:style>
           <a:lnRef idx="1">
@@ -4127,55 +4152,33 @@
           <a:bodyPr rtlCol="0" anchor="ctr"/>
           <a:lstStyle/>
           <a:p>
-            <a:pPr algn="ctr"/>
-            <a:endParaRPr kumimoji="1" lang="ja-JP" altLang="en-US" dirty="0"/>
-          </a:p>
-        </p:txBody>
-      </p:sp>
-      <p:sp>
-        <p:nvSpPr>
-          <p:cNvPr id="5" name="テキスト ボックス 4"/>
+            <a:r>
+              <a:rPr lang="ja-JP" altLang="en-US" dirty="0" smtClean="0"/>
+              <a:t>　　パターン２</a:t>
+            </a:r>
+            <a:endParaRPr lang="ja-JP" altLang="en-US" dirty="0"/>
+          </a:p>
+        </p:txBody>
+      </p:sp>
+      <p:sp>
+        <p:nvSpPr>
+          <p:cNvPr id="6" name="テキスト ボックス 5"/>
           <p:cNvSpPr txBox="1"/>
           <p:nvPr/>
         </p:nvSpPr>
         <p:spPr>
           <a:xfrm>
-            <a:off x="1013460" y="1676400"/>
-            <a:ext cx="2053935" cy="369332"/>
+            <a:off x="932411" y="2454624"/>
+            <a:ext cx="1864822" cy="461665"/>
           </a:xfrm>
           <a:prstGeom prst="rect">
             <a:avLst/>
           </a:prstGeom>
-          <a:noFill/>
-        </p:spPr>
-        <p:txBody>
-          <a:bodyPr wrap="square" rtlCol="0">
-            <a:spAutoFit/>
-          </a:bodyPr>
-          <a:lstStyle/>
-          <a:p>
-            <a:r>
-              <a:rPr kumimoji="1" lang="ja-JP" altLang="en-US" dirty="0" smtClean="0"/>
-              <a:t>　　パターン１</a:t>
-            </a:r>
-            <a:endParaRPr kumimoji="1" lang="ja-JP" altLang="en-US" dirty="0"/>
-          </a:p>
-        </p:txBody>
-      </p:sp>
-      <p:sp>
-        <p:nvSpPr>
-          <p:cNvPr id="18" name="正方形/長方形 17"/>
-          <p:cNvSpPr/>
-          <p:nvPr/>
-        </p:nvSpPr>
-        <p:spPr>
-          <a:xfrm>
-            <a:off x="6248400" y="1569719"/>
-            <a:ext cx="2194848" cy="616527"/>
-          </a:xfrm>
-          <a:prstGeom prst="rect">
-            <a:avLst/>
-          </a:prstGeom>
+          <a:ln>
+            <a:solidFill>
+              <a:schemeClr val="tx1"/>
+            </a:solidFill>
+          </a:ln>
         </p:spPr>
         <p:style>
           <a:lnRef idx="1">
@@ -4192,27 +4195,29 @@
           </a:fontRef>
         </p:style>
         <p:txBody>
-          <a:bodyPr rtlCol="0" anchor="ctr"/>
-          <a:lstStyle/>
-          <a:p>
-            <a:r>
-              <a:rPr lang="ja-JP" altLang="en-US" dirty="0" smtClean="0"/>
-              <a:t>　　パターン２</a:t>
-            </a:r>
-            <a:endParaRPr lang="ja-JP" altLang="en-US" dirty="0"/>
-          </a:p>
-        </p:txBody>
-      </p:sp>
-      <p:sp>
-        <p:nvSpPr>
-          <p:cNvPr id="6" name="テキスト ボックス 5"/>
+          <a:bodyPr wrap="square" rtlCol="0">
+            <a:spAutoFit/>
+          </a:bodyPr>
+          <a:lstStyle/>
+          <a:p>
+            <a:r>
+              <a:rPr kumimoji="1" lang="ja-JP" altLang="en-US" sz="2400" dirty="0" smtClean="0"/>
+              <a:t>武器：大剣</a:t>
+            </a:r>
+            <a:endParaRPr kumimoji="1" lang="ja-JP" altLang="en-US" sz="2400" dirty="0"/>
+          </a:p>
+        </p:txBody>
+      </p:sp>
+      <p:sp>
+        <p:nvSpPr>
+          <p:cNvPr id="7" name="テキスト ボックス 6"/>
           <p:cNvSpPr txBox="1"/>
           <p:nvPr/>
         </p:nvSpPr>
         <p:spPr>
           <a:xfrm>
-            <a:off x="932411" y="2454624"/>
-            <a:ext cx="1864822" cy="461665"/>
+            <a:off x="932411" y="3151108"/>
+            <a:ext cx="3327862" cy="461665"/>
           </a:xfrm>
           <a:prstGeom prst="rect">
             <a:avLst/>
@@ -4244,8 +4249,12 @@
           <a:lstStyle/>
           <a:p>
             <a:r>
-              <a:rPr kumimoji="1" lang="ja-JP" altLang="en-US" sz="2400" dirty="0" smtClean="0"/>
-              <a:t>武器：大剣</a:t>
+              <a:rPr lang="ja-JP" altLang="en-US" sz="2400" dirty="0"/>
+              <a:t>ステータス</a:t>
+            </a:r>
+            <a:r>
+              <a:rPr lang="ja-JP" altLang="en-US" sz="2400" dirty="0" smtClean="0"/>
+              <a:t>：攻防上昇</a:t>
             </a:r>
             <a:endParaRPr kumimoji="1" lang="ja-JP" altLang="en-US" sz="2400" dirty="0"/>
           </a:p>
@@ -4253,14 +4262,14 @@
       </p:sp>
       <p:sp>
         <p:nvSpPr>
-          <p:cNvPr id="7" name="テキスト ボックス 6"/>
+          <p:cNvPr id="19" name="テキスト ボックス 18"/>
           <p:cNvSpPr txBox="1"/>
           <p:nvPr/>
         </p:nvSpPr>
         <p:spPr>
           <a:xfrm>
-            <a:off x="932411" y="3151108"/>
-            <a:ext cx="3327862" cy="461665"/>
+            <a:off x="6253249" y="2454624"/>
+            <a:ext cx="1864822" cy="461665"/>
           </a:xfrm>
           <a:prstGeom prst="rect">
             <a:avLst/>
@@ -4292,12 +4301,8 @@
           <a:lstStyle/>
           <a:p>
             <a:r>
-              <a:rPr lang="ja-JP" altLang="en-US" sz="2400" dirty="0"/>
-              <a:t>ステータス</a:t>
-            </a:r>
-            <a:r>
-              <a:rPr lang="ja-JP" altLang="en-US" sz="2400" dirty="0" smtClean="0"/>
-              <a:t>：攻防上昇</a:t>
+              <a:rPr kumimoji="1" lang="ja-JP" altLang="en-US" sz="2400" dirty="0" smtClean="0"/>
+              <a:t>武器：短剣</a:t>
             </a:r>
             <a:endParaRPr kumimoji="1" lang="ja-JP" altLang="en-US" sz="2400" dirty="0"/>
           </a:p>
@@ -4305,14 +4310,14 @@
       </p:sp>
       <p:sp>
         <p:nvSpPr>
-          <p:cNvPr id="19" name="テキスト ボックス 18"/>
+          <p:cNvPr id="20" name="テキスト ボックス 19"/>
           <p:cNvSpPr txBox="1"/>
           <p:nvPr/>
         </p:nvSpPr>
         <p:spPr>
           <a:xfrm>
-            <a:off x="6253249" y="2454624"/>
-            <a:ext cx="1864822" cy="461665"/>
+            <a:off x="6248400" y="3151108"/>
+            <a:ext cx="3327862" cy="461665"/>
           </a:xfrm>
           <a:prstGeom prst="rect">
             <a:avLst/>
@@ -4344,8 +4349,12 @@
           <a:lstStyle/>
           <a:p>
             <a:r>
-              <a:rPr kumimoji="1" lang="ja-JP" altLang="en-US" sz="2400" dirty="0" smtClean="0"/>
-              <a:t>武器：短剣</a:t>
+              <a:rPr lang="ja-JP" altLang="en-US" sz="2400" dirty="0"/>
+              <a:t>ステータス</a:t>
+            </a:r>
+            <a:r>
+              <a:rPr lang="ja-JP" altLang="en-US" sz="2400" dirty="0" smtClean="0"/>
+              <a:t>：攻防減少</a:t>
             </a:r>
             <a:endParaRPr kumimoji="1" lang="ja-JP" altLang="en-US" sz="2400" dirty="0"/>
           </a:p>
@@ -4353,14 +4362,14 @@
       </p:sp>
       <p:sp>
         <p:nvSpPr>
-          <p:cNvPr id="20" name="テキスト ボックス 19"/>
+          <p:cNvPr id="10" name="テキスト ボックス 9"/>
           <p:cNvSpPr txBox="1"/>
           <p:nvPr/>
         </p:nvSpPr>
         <p:spPr>
           <a:xfrm>
-            <a:off x="6248400" y="3151108"/>
-            <a:ext cx="3327862" cy="461665"/>
+            <a:off x="6248400" y="3948546"/>
+            <a:ext cx="4267200" cy="400110"/>
           </a:xfrm>
           <a:prstGeom prst="rect">
             <a:avLst/>
@@ -4391,28 +4400,20 @@
           </a:bodyPr>
           <a:lstStyle/>
           <a:p>
-            <a:r>
-              <a:rPr lang="ja-JP" altLang="en-US" sz="2400" dirty="0"/>
-              <a:t>ステータス</a:t>
-            </a:r>
-            <a:r>
-              <a:rPr lang="ja-JP" altLang="en-US" sz="2400" dirty="0" smtClean="0"/>
-              <a:t>：攻防減少</a:t>
-            </a:r>
-            <a:endParaRPr kumimoji="1" lang="ja-JP" altLang="en-US" sz="2400" dirty="0"/>
-          </a:p>
-        </p:txBody>
-      </p:sp>
-      <p:sp>
-        <p:nvSpPr>
-          <p:cNvPr id="10" name="テキスト ボックス 9"/>
+            <a:endParaRPr kumimoji="1" lang="ja-JP" altLang="en-US" sz="2000" dirty="0"/>
+          </a:p>
+        </p:txBody>
+      </p:sp>
+      <p:sp>
+        <p:nvSpPr>
+          <p:cNvPr id="22" name="テキスト ボックス 21"/>
           <p:cNvSpPr txBox="1"/>
           <p:nvPr/>
         </p:nvSpPr>
         <p:spPr>
           <a:xfrm>
-            <a:off x="6248400" y="3948546"/>
-            <a:ext cx="4267200" cy="400110"/>
+            <a:off x="932411" y="3948546"/>
+            <a:ext cx="4828309" cy="400110"/>
           </a:xfrm>
           <a:prstGeom prst="rect">
             <a:avLst/>
@@ -4443,96 +4444,7 @@
           </a:bodyPr>
           <a:lstStyle/>
           <a:p>
-            <a:r>
-              <a:rPr kumimoji="1" lang="ja-JP" altLang="en-US" sz="2000" dirty="0" smtClean="0"/>
-              <a:t>不運に負けず、己が力で道を拓け！</a:t>
-            </a:r>
-            <a:endParaRPr kumimoji="1" lang="ja-JP" altLang="en-US" sz="2000" dirty="0"/>
-          </a:p>
-        </p:txBody>
-      </p:sp>
-      <p:sp>
-        <p:nvSpPr>
-          <p:cNvPr id="22" name="テキスト ボックス 21"/>
-          <p:cNvSpPr txBox="1"/>
-          <p:nvPr/>
-        </p:nvSpPr>
-        <p:spPr>
-          <a:xfrm>
-            <a:off x="932411" y="3948546"/>
-            <a:ext cx="4828309" cy="400110"/>
-          </a:xfrm>
-          <a:prstGeom prst="rect">
-            <a:avLst/>
-          </a:prstGeom>
-          <a:ln>
-            <a:solidFill>
-              <a:schemeClr val="tx1"/>
-            </a:solidFill>
-          </a:ln>
-        </p:spPr>
-        <p:style>
-          <a:lnRef idx="1">
-            <a:schemeClr val="accent3"/>
-          </a:lnRef>
-          <a:fillRef idx="2">
-            <a:schemeClr val="accent3"/>
-          </a:fillRef>
-          <a:effectRef idx="1">
-            <a:schemeClr val="accent3"/>
-          </a:effectRef>
-          <a:fontRef idx="minor">
-            <a:schemeClr val="dk1"/>
-          </a:fontRef>
-        </p:style>
-        <p:txBody>
-          <a:bodyPr wrap="square" rtlCol="0">
-            <a:spAutoFit/>
-          </a:bodyPr>
-          <a:lstStyle/>
-          <a:p>
-            <a:r>
-              <a:rPr lang="ja-JP" altLang="en-US" sz="2000" dirty="0" smtClean="0"/>
-              <a:t>幸運に導かれ、一騎当千の猛者となれ！</a:t>
-            </a:r>
-            <a:endParaRPr kumimoji="1" lang="ja-JP" altLang="en-US" sz="2000" dirty="0"/>
-          </a:p>
-        </p:txBody>
-      </p:sp>
-      <p:sp>
-        <p:nvSpPr>
-          <p:cNvPr id="25" name="テキスト ボックス 24"/>
-          <p:cNvSpPr txBox="1"/>
-          <p:nvPr/>
-        </p:nvSpPr>
-        <p:spPr>
-          <a:xfrm>
-            <a:off x="3004826" y="5096869"/>
-            <a:ext cx="5932228" cy="646331"/>
-          </a:xfrm>
-          <a:prstGeom prst="rect">
-            <a:avLst/>
-          </a:prstGeom>
-          <a:noFill/>
-        </p:spPr>
-        <p:txBody>
-          <a:bodyPr wrap="square" rtlCol="0">
-            <a:spAutoFit/>
-          </a:bodyPr>
-          <a:lstStyle/>
-          <a:p>
-            <a:r>
-              <a:rPr kumimoji="1" lang="ja-JP" altLang="en-US" dirty="0" smtClean="0"/>
-              <a:t>プレイヤーの運次第で、天国にも地獄にもなり得るなか、</a:t>
-            </a:r>
-            <a:endParaRPr kumimoji="1" lang="en-US" altLang="ja-JP" dirty="0" smtClean="0"/>
-          </a:p>
-          <a:p>
-            <a:r>
-              <a:rPr kumimoji="1" lang="ja-JP" altLang="en-US" dirty="0" smtClean="0"/>
-              <a:t>自分なりのプレイを見つけクリアを目指せ！</a:t>
-            </a:r>
-            <a:endParaRPr kumimoji="1" lang="en-US" altLang="ja-JP" dirty="0" smtClean="0"/>
+            <a:endParaRPr kumimoji="1" lang="en-US" altLang="ja-JP" sz="2000" dirty="0" smtClean="0"/>
           </a:p>
         </p:txBody>
       </p:sp>
@@ -5331,7 +5243,7 @@
         </p:nvGrpSpPr>
         <p:grpSpPr>
           <a:xfrm>
-            <a:off x="8700919" y="2089998"/>
+            <a:off x="8814698" y="1966940"/>
             <a:ext cx="998282" cy="1551418"/>
             <a:chOff x="8537941" y="1833158"/>
             <a:chExt cx="998282" cy="1551418"/>
@@ -5479,7 +5391,7 @@
           </p:nvSpPr>
           <p:spPr>
             <a:xfrm>
-              <a:off x="8971796" y="2007507"/>
+              <a:off x="8977643" y="1998192"/>
               <a:ext cx="118878" cy="501650"/>
             </a:xfrm>
             <a:prstGeom prst="roundRect">

--- a/個人制作/ゲームコンテスト提出 _企画書.pptx
+++ b/個人制作/ゲームコンテスト提出 _企画書.pptx
@@ -8,7 +8,8 @@
     <p:sldId id="256" r:id="rId2"/>
     <p:sldId id="258" r:id="rId3"/>
     <p:sldId id="259" r:id="rId4"/>
-    <p:sldId id="257" r:id="rId5"/>
+    <p:sldId id="260" r:id="rId5"/>
+    <p:sldId id="257" r:id="rId6"/>
   </p:sldIdLst>
   <p:sldSz cx="12192000" cy="6858000"/>
   <p:notesSz cx="6858000" cy="9144000"/>
@@ -3472,7 +3473,7 @@
         <p:spPr>
           <a:xfrm>
             <a:off x="873760" y="1685925"/>
-            <a:ext cx="10784840" cy="4524375"/>
+            <a:ext cx="10378440" cy="4168775"/>
           </a:xfrm>
           <a:prstGeom prst="rect">
             <a:avLst/>
@@ -3646,11 +3647,11 @@
           <a:p>
             <a:r>
               <a:rPr lang="ja-JP" altLang="en-US" sz="3200" b="1" dirty="0" smtClean="0"/>
-              <a:t>コンセプト　：</a:t>
+              <a:t>コンセプト　：運が</a:t>
             </a:r>
             <a:r>
               <a:rPr lang="ja-JP" altLang="en-US" sz="3200" b="1" dirty="0"/>
-              <a:t>運勢が試される戦略</a:t>
+              <a:t>試される戦略</a:t>
             </a:r>
             <a:r>
               <a:rPr lang="ja-JP" altLang="en-US" sz="3200" b="1" dirty="0" smtClean="0"/>
@@ -4369,7 +4370,7 @@
         <p:spPr>
           <a:xfrm>
             <a:off x="6248400" y="3948546"/>
-            <a:ext cx="4267200" cy="400110"/>
+            <a:ext cx="4826000" cy="1631216"/>
           </a:xfrm>
           <a:prstGeom prst="rect">
             <a:avLst/>
@@ -4400,6 +4401,46 @@
           </a:bodyPr>
           <a:lstStyle/>
           <a:p>
+            <a:r>
+              <a:rPr lang="ja-JP" altLang="en-US" sz="2000" dirty="0" smtClean="0"/>
+              <a:t>攻撃回数が増えがちなため</a:t>
+            </a:r>
+            <a:endParaRPr lang="en-US" altLang="ja-JP" sz="2000" dirty="0" smtClean="0"/>
+          </a:p>
+          <a:p>
+            <a:r>
+              <a:rPr lang="en-US" altLang="ja-JP" sz="2000" dirty="0" smtClean="0"/>
+              <a:t>AP</a:t>
+            </a:r>
+            <a:r>
+              <a:rPr lang="ja-JP" altLang="en-US" sz="2000" dirty="0" smtClean="0"/>
+              <a:t>残量に注意！</a:t>
+            </a:r>
+            <a:endParaRPr lang="en-US" altLang="ja-JP" sz="2000" dirty="0" smtClean="0"/>
+          </a:p>
+          <a:p>
+            <a:r>
+              <a:rPr lang="ja-JP" altLang="en-US" sz="2000" dirty="0" smtClean="0"/>
+              <a:t>短剣のリーチに注意しつつ</a:t>
+            </a:r>
+            <a:endParaRPr lang="en-US" altLang="ja-JP" sz="2000" dirty="0" smtClean="0"/>
+          </a:p>
+          <a:p>
+            <a:r>
+              <a:rPr lang="ja-JP" altLang="en-US" sz="2000" dirty="0" smtClean="0"/>
+              <a:t>防御力が減少しているため、</a:t>
+            </a:r>
+            <a:endParaRPr lang="en-US" altLang="ja-JP" sz="2000" dirty="0" smtClean="0"/>
+          </a:p>
+          <a:p>
+            <a:r>
+              <a:rPr kumimoji="1" lang="en-US" altLang="ja-JP" sz="2000" dirty="0" smtClean="0"/>
+              <a:t>Hit&amp;Away</a:t>
+            </a:r>
+            <a:r>
+              <a:rPr kumimoji="1" lang="ja-JP" altLang="en-US" sz="2000" dirty="0" smtClean="0"/>
+              <a:t>を意識しよう！</a:t>
+            </a:r>
             <a:endParaRPr kumimoji="1" lang="ja-JP" altLang="en-US" sz="2000" dirty="0"/>
           </a:p>
         </p:txBody>
@@ -4413,7 +4454,7 @@
         <p:spPr>
           <a:xfrm>
             <a:off x="932411" y="3948546"/>
-            <a:ext cx="4828309" cy="400110"/>
+            <a:ext cx="5188989" cy="1015663"/>
           </a:xfrm>
           <a:prstGeom prst="rect">
             <a:avLst/>
@@ -4444,7 +4485,25 @@
           </a:bodyPr>
           <a:lstStyle/>
           <a:p>
-            <a:endParaRPr kumimoji="1" lang="en-US" altLang="ja-JP" sz="2000" dirty="0" smtClean="0"/>
+            <a:r>
+              <a:rPr lang="ja-JP" altLang="en-US" sz="2000" dirty="0" smtClean="0"/>
+              <a:t>大剣の高リーチとステータス変化を、</a:t>
+            </a:r>
+            <a:endParaRPr lang="en-US" altLang="ja-JP" sz="2000" dirty="0" smtClean="0"/>
+          </a:p>
+          <a:p>
+            <a:r>
+              <a:rPr lang="ja-JP" altLang="en-US" sz="2000" dirty="0" smtClean="0"/>
+              <a:t>活かして、広大なフィールドを駆け回り</a:t>
+            </a:r>
+            <a:endParaRPr lang="en-US" altLang="ja-JP" sz="2000" dirty="0" smtClean="0"/>
+          </a:p>
+          <a:p>
+            <a:r>
+              <a:rPr lang="ja-JP" altLang="en-US" sz="2000" dirty="0" smtClean="0"/>
+              <a:t>敵を圧倒しよう！</a:t>
+            </a:r>
+            <a:endParaRPr lang="en-US" altLang="ja-JP" sz="2000" dirty="0" smtClean="0"/>
           </a:p>
         </p:txBody>
       </p:sp>
@@ -4469,6 +4528,670 @@
 </file>
 
 <file path=ppt/slides/slide4.xml><?xml version="1.0" encoding="utf-8"?>
+<p:sld xmlns:a="http://schemas.openxmlformats.org/drawingml/2006/main" xmlns:r="http://schemas.openxmlformats.org/officeDocument/2006/relationships" xmlns:p="http://schemas.openxmlformats.org/presentationml/2006/main">
+  <p:cSld>
+    <p:spTree>
+      <p:nvGrpSpPr>
+        <p:cNvPr id="1" name=""/>
+        <p:cNvGrpSpPr/>
+        <p:nvPr/>
+      </p:nvGrpSpPr>
+      <p:grpSpPr>
+        <a:xfrm>
+          <a:off x="0" y="0"/>
+          <a:ext cx="0" cy="0"/>
+          <a:chOff x="0" y="0"/>
+          <a:chExt cx="0" cy="0"/>
+        </a:xfrm>
+      </p:grpSpPr>
+      <p:pic>
+        <p:nvPicPr>
+          <p:cNvPr id="4" name="図 3"/>
+          <p:cNvPicPr>
+            <a:picLocks noChangeAspect="1"/>
+          </p:cNvPicPr>
+          <p:nvPr/>
+        </p:nvPicPr>
+        <p:blipFill>
+          <a:blip r:embed="rId2">
+            <a:extLst>
+              <a:ext uri="{28A0092B-C50C-407E-A947-70E740481C1C}">
+                <a14:useLocalDpi xmlns:a14="http://schemas.microsoft.com/office/drawing/2010/main" val="0"/>
+              </a:ext>
+            </a:extLst>
+          </a:blip>
+          <a:stretch>
+            <a:fillRect/>
+          </a:stretch>
+        </p:blipFill>
+        <p:spPr>
+          <a:xfrm>
+            <a:off x="2773" y="0"/>
+            <a:ext cx="12192000" cy="6858000"/>
+          </a:xfrm>
+          <a:prstGeom prst="rect">
+            <a:avLst/>
+          </a:prstGeom>
+        </p:spPr>
+      </p:pic>
+      <p:sp>
+        <p:nvSpPr>
+          <p:cNvPr id="35" name="正方形/長方形 34"/>
+          <p:cNvSpPr/>
+          <p:nvPr/>
+        </p:nvSpPr>
+        <p:spPr>
+          <a:xfrm>
+            <a:off x="794867" y="4153830"/>
+            <a:ext cx="10399068" cy="1826056"/>
+          </a:xfrm>
+          <a:prstGeom prst="rect">
+            <a:avLst/>
+          </a:prstGeom>
+          <a:ln>
+            <a:solidFill>
+              <a:schemeClr val="tx1"/>
+            </a:solidFill>
+          </a:ln>
+        </p:spPr>
+        <p:style>
+          <a:lnRef idx="1">
+            <a:schemeClr val="accent2"/>
+          </a:lnRef>
+          <a:fillRef idx="2">
+            <a:schemeClr val="accent2"/>
+          </a:fillRef>
+          <a:effectRef idx="1">
+            <a:schemeClr val="accent2"/>
+          </a:effectRef>
+          <a:fontRef idx="minor">
+            <a:schemeClr val="dk1"/>
+          </a:fontRef>
+        </p:style>
+        <p:txBody>
+          <a:bodyPr rtlCol="0" anchor="ctr"/>
+          <a:lstStyle/>
+          <a:p>
+            <a:pPr algn="ctr"/>
+            <a:endParaRPr kumimoji="1" lang="ja-JP" altLang="en-US"/>
+          </a:p>
+        </p:txBody>
+      </p:sp>
+      <p:sp>
+        <p:nvSpPr>
+          <p:cNvPr id="32" name="正方形/長方形 31"/>
+          <p:cNvSpPr/>
+          <p:nvPr/>
+        </p:nvSpPr>
+        <p:spPr>
+          <a:xfrm>
+            <a:off x="3237986" y="1701798"/>
+            <a:ext cx="5317262" cy="750234"/>
+          </a:xfrm>
+          <a:prstGeom prst="rect">
+            <a:avLst/>
+          </a:prstGeom>
+          <a:ln>
+            <a:solidFill>
+              <a:schemeClr val="tx1"/>
+            </a:solidFill>
+          </a:ln>
+        </p:spPr>
+        <p:style>
+          <a:lnRef idx="1">
+            <a:schemeClr val="accent3"/>
+          </a:lnRef>
+          <a:fillRef idx="2">
+            <a:schemeClr val="accent3"/>
+          </a:fillRef>
+          <a:effectRef idx="1">
+            <a:schemeClr val="accent3"/>
+          </a:effectRef>
+          <a:fontRef idx="minor">
+            <a:schemeClr val="dk1"/>
+          </a:fontRef>
+        </p:style>
+        <p:txBody>
+          <a:bodyPr rtlCol="0" anchor="ctr"/>
+          <a:lstStyle/>
+          <a:p>
+            <a:pPr algn="ctr"/>
+            <a:endParaRPr kumimoji="1" lang="ja-JP" altLang="en-US"/>
+          </a:p>
+        </p:txBody>
+      </p:sp>
+      <p:grpSp>
+        <p:nvGrpSpPr>
+          <p:cNvPr id="16" name="グループ化 15"/>
+          <p:cNvGrpSpPr/>
+          <p:nvPr/>
+        </p:nvGrpSpPr>
+        <p:grpSpPr>
+          <a:xfrm>
+            <a:off x="2945757" y="1241050"/>
+            <a:ext cx="5603369" cy="1882486"/>
+            <a:chOff x="1852861" y="2940666"/>
+            <a:chExt cx="5603369" cy="1963184"/>
+          </a:xfrm>
+        </p:grpSpPr>
+        <p:grpSp>
+          <p:nvGrpSpPr>
+            <p:cNvPr id="15" name="グループ化 14"/>
+            <p:cNvGrpSpPr/>
+            <p:nvPr/>
+          </p:nvGrpSpPr>
+          <p:grpSpPr>
+            <a:xfrm>
+              <a:off x="2145090" y="4219721"/>
+              <a:ext cx="5311140" cy="681726"/>
+              <a:chOff x="886460" y="2411273"/>
+              <a:chExt cx="5311140" cy="681726"/>
+            </a:xfrm>
+          </p:grpSpPr>
+          <p:sp>
+            <p:nvSpPr>
+              <p:cNvPr id="6" name="正方形/長方形 5"/>
+              <p:cNvSpPr/>
+              <p:nvPr/>
+            </p:nvSpPr>
+            <p:spPr>
+              <a:xfrm>
+                <a:off x="886460" y="2411273"/>
+                <a:ext cx="5311140" cy="681725"/>
+              </a:xfrm>
+              <a:prstGeom prst="rect">
+                <a:avLst/>
+              </a:prstGeom>
+              <a:ln>
+                <a:solidFill>
+                  <a:schemeClr val="tx1"/>
+                </a:solidFill>
+              </a:ln>
+            </p:spPr>
+            <p:style>
+              <a:lnRef idx="1">
+                <a:schemeClr val="accent2"/>
+              </a:lnRef>
+              <a:fillRef idx="2">
+                <a:schemeClr val="accent2"/>
+              </a:fillRef>
+              <a:effectRef idx="1">
+                <a:schemeClr val="accent2"/>
+              </a:effectRef>
+              <a:fontRef idx="minor">
+                <a:schemeClr val="dk1"/>
+              </a:fontRef>
+            </p:style>
+            <p:txBody>
+              <a:bodyPr rtlCol="0" anchor="ctr"/>
+              <a:lstStyle/>
+              <a:p>
+                <a:pPr algn="ctr"/>
+                <a:endParaRPr kumimoji="1" lang="ja-JP" altLang="en-US"/>
+              </a:p>
+            </p:txBody>
+          </p:sp>
+          <p:sp>
+            <p:nvSpPr>
+              <p:cNvPr id="10" name="テキスト ボックス 9"/>
+              <p:cNvSpPr txBox="1"/>
+              <p:nvPr/>
+            </p:nvSpPr>
+            <p:spPr>
+              <a:xfrm>
+                <a:off x="1060841" y="2508224"/>
+                <a:ext cx="4971659" cy="584775"/>
+              </a:xfrm>
+              <a:prstGeom prst="rect">
+                <a:avLst/>
+              </a:prstGeom>
+              <a:noFill/>
+            </p:spPr>
+            <p:txBody>
+              <a:bodyPr wrap="square" rtlCol="0">
+                <a:spAutoFit/>
+              </a:bodyPr>
+              <a:lstStyle/>
+              <a:p>
+                <a:r>
+                  <a:rPr kumimoji="1" lang="en-US" altLang="ja-JP" sz="3200" b="1" dirty="0" smtClean="0"/>
+                  <a:t>0</a:t>
+                </a:r>
+                <a:r>
+                  <a:rPr kumimoji="1" lang="ja-JP" altLang="en-US" sz="3200" b="1" dirty="0" smtClean="0"/>
+                  <a:t>になるとゲームオーバー</a:t>
+                </a:r>
+                <a:endParaRPr kumimoji="1" lang="ja-JP" altLang="en-US" sz="3200" b="1" dirty="0"/>
+              </a:p>
+            </p:txBody>
+          </p:sp>
+        </p:grpSp>
+        <p:pic>
+          <p:nvPicPr>
+            <p:cNvPr id="14" name="図 13"/>
+            <p:cNvPicPr>
+              <a:picLocks noChangeAspect="1"/>
+            </p:cNvPicPr>
+            <p:nvPr/>
+          </p:nvPicPr>
+          <p:blipFill>
+            <a:blip r:embed="rId3" cstate="print">
+              <a:extLst>
+                <a:ext uri="{28A0092B-C50C-407E-A947-70E740481C1C}">
+                  <a14:useLocalDpi xmlns:a14="http://schemas.microsoft.com/office/drawing/2010/main" val="0"/>
+                </a:ext>
+              </a:extLst>
+            </a:blip>
+            <a:stretch>
+              <a:fillRect/>
+            </a:stretch>
+          </p:blipFill>
+          <p:spPr>
+            <a:xfrm>
+              <a:off x="1852861" y="2940666"/>
+              <a:ext cx="1963184" cy="1963184"/>
+            </a:xfrm>
+            <a:prstGeom prst="rect">
+              <a:avLst/>
+            </a:prstGeom>
+          </p:spPr>
+        </p:pic>
+      </p:grpSp>
+      <p:sp>
+        <p:nvSpPr>
+          <p:cNvPr id="9" name="正方形/長方形 8"/>
+          <p:cNvSpPr/>
+          <p:nvPr/>
+        </p:nvSpPr>
+        <p:spPr>
+          <a:xfrm>
+            <a:off x="794867" y="3136728"/>
+            <a:ext cx="5199534" cy="1017102"/>
+          </a:xfrm>
+          <a:prstGeom prst="rect">
+            <a:avLst/>
+          </a:prstGeom>
+          <a:ln>
+            <a:solidFill>
+              <a:schemeClr val="tx1"/>
+            </a:solidFill>
+          </a:ln>
+        </p:spPr>
+        <p:style>
+          <a:lnRef idx="1">
+            <a:schemeClr val="accent3"/>
+          </a:lnRef>
+          <a:fillRef idx="2">
+            <a:schemeClr val="accent3"/>
+          </a:fillRef>
+          <a:effectRef idx="1">
+            <a:schemeClr val="accent3"/>
+          </a:effectRef>
+          <a:fontRef idx="minor">
+            <a:schemeClr val="dk1"/>
+          </a:fontRef>
+        </p:style>
+        <p:txBody>
+          <a:bodyPr rtlCol="0" anchor="ctr"/>
+          <a:lstStyle/>
+          <a:p>
+            <a:pPr algn="ctr"/>
+            <a:endParaRPr kumimoji="1" lang="ja-JP" altLang="en-US"/>
+          </a:p>
+        </p:txBody>
+      </p:sp>
+      <p:sp>
+        <p:nvSpPr>
+          <p:cNvPr id="5" name="テキスト ボックス 4"/>
+          <p:cNvSpPr txBox="1"/>
+          <p:nvPr/>
+        </p:nvSpPr>
+        <p:spPr>
+          <a:xfrm>
+            <a:off x="886460" y="877918"/>
+            <a:ext cx="3050540" cy="646331"/>
+          </a:xfrm>
+          <a:prstGeom prst="rect">
+            <a:avLst/>
+          </a:prstGeom>
+          <a:ln/>
+        </p:spPr>
+        <p:style>
+          <a:lnRef idx="1">
+            <a:schemeClr val="accent5"/>
+          </a:lnRef>
+          <a:fillRef idx="2">
+            <a:schemeClr val="accent5"/>
+          </a:fillRef>
+          <a:effectRef idx="1">
+            <a:schemeClr val="accent5"/>
+          </a:effectRef>
+          <a:fontRef idx="minor">
+            <a:schemeClr val="dk1"/>
+          </a:fontRef>
+        </p:style>
+        <p:txBody>
+          <a:bodyPr wrap="square" rtlCol="0">
+            <a:spAutoFit/>
+          </a:bodyPr>
+          <a:lstStyle/>
+          <a:p>
+            <a:r>
+              <a:rPr kumimoji="1" lang="ja-JP" altLang="en-US" sz="3600" b="1" dirty="0" smtClean="0"/>
+              <a:t>その他の要素</a:t>
+            </a:r>
+            <a:endParaRPr kumimoji="1" lang="ja-JP" altLang="en-US" sz="3600" b="1" dirty="0"/>
+          </a:p>
+        </p:txBody>
+      </p:sp>
+      <p:grpSp>
+        <p:nvGrpSpPr>
+          <p:cNvPr id="17" name="グループ化 16"/>
+          <p:cNvGrpSpPr/>
+          <p:nvPr/>
+        </p:nvGrpSpPr>
+        <p:grpSpPr>
+          <a:xfrm>
+            <a:off x="292043" y="2402167"/>
+            <a:ext cx="5402081" cy="2488614"/>
+            <a:chOff x="5842722" y="999706"/>
+            <a:chExt cx="5402081" cy="2488614"/>
+          </a:xfrm>
+        </p:grpSpPr>
+        <p:sp>
+          <p:nvSpPr>
+            <p:cNvPr id="12" name="テキスト ボックス 11"/>
+            <p:cNvSpPr txBox="1"/>
+            <p:nvPr/>
+          </p:nvSpPr>
+          <p:spPr>
+            <a:xfrm>
+              <a:off x="7660395" y="2072932"/>
+              <a:ext cx="3584408" cy="461665"/>
+            </a:xfrm>
+            <a:prstGeom prst="rect">
+              <a:avLst/>
+            </a:prstGeom>
+            <a:noFill/>
+          </p:spPr>
+          <p:txBody>
+            <a:bodyPr wrap="square" rtlCol="0">
+              <a:spAutoFit/>
+            </a:bodyPr>
+            <a:lstStyle/>
+            <a:p>
+              <a:r>
+                <a:rPr kumimoji="1" lang="ja-JP" altLang="en-US" sz="2400" b="1" dirty="0" smtClean="0"/>
+                <a:t>攻撃するたびに消費する</a:t>
+              </a:r>
+              <a:endParaRPr kumimoji="1" lang="ja-JP" altLang="en-US" sz="2400" b="1" dirty="0"/>
+            </a:p>
+          </p:txBody>
+        </p:sp>
+        <p:pic>
+          <p:nvPicPr>
+            <p:cNvPr id="13" name="図 12"/>
+            <p:cNvPicPr>
+              <a:picLocks noChangeAspect="1"/>
+            </p:cNvPicPr>
+            <p:nvPr/>
+          </p:nvPicPr>
+          <p:blipFill>
+            <a:blip r:embed="rId4" cstate="print">
+              <a:extLst>
+                <a:ext uri="{28A0092B-C50C-407E-A947-70E740481C1C}">
+                  <a14:useLocalDpi xmlns:a14="http://schemas.microsoft.com/office/drawing/2010/main" val="0"/>
+                </a:ext>
+              </a:extLst>
+            </a:blip>
+            <a:stretch>
+              <a:fillRect/>
+            </a:stretch>
+          </p:blipFill>
+          <p:spPr>
+            <a:xfrm>
+              <a:off x="5842722" y="999706"/>
+              <a:ext cx="2488614" cy="2488614"/>
+            </a:xfrm>
+            <a:prstGeom prst="rect">
+              <a:avLst/>
+            </a:prstGeom>
+          </p:spPr>
+        </p:pic>
+      </p:grpSp>
+      <p:grpSp>
+        <p:nvGrpSpPr>
+          <p:cNvPr id="23" name="グループ化 22"/>
+          <p:cNvGrpSpPr/>
+          <p:nvPr/>
+        </p:nvGrpSpPr>
+        <p:grpSpPr>
+          <a:xfrm>
+            <a:off x="4090855" y="4567142"/>
+            <a:ext cx="4015835" cy="1396476"/>
+            <a:chOff x="1322541" y="4240405"/>
+            <a:chExt cx="4015835" cy="1396476"/>
+          </a:xfrm>
+        </p:grpSpPr>
+        <p:pic>
+          <p:nvPicPr>
+            <p:cNvPr id="19" name="図 18"/>
+            <p:cNvPicPr>
+              <a:picLocks noChangeAspect="1"/>
+            </p:cNvPicPr>
+            <p:nvPr/>
+          </p:nvPicPr>
+          <p:blipFill>
+            <a:blip r:embed="rId5" cstate="print">
+              <a:extLst>
+                <a:ext uri="{28A0092B-C50C-407E-A947-70E740481C1C}">
+                  <a14:useLocalDpi xmlns:a14="http://schemas.microsoft.com/office/drawing/2010/main" val="0"/>
+                </a:ext>
+              </a:extLst>
+            </a:blip>
+            <a:stretch>
+              <a:fillRect/>
+            </a:stretch>
+          </p:blipFill>
+          <p:spPr>
+            <a:xfrm>
+              <a:off x="2918187" y="4240405"/>
+              <a:ext cx="780290" cy="780290"/>
+            </a:xfrm>
+            <a:prstGeom prst="rect">
+              <a:avLst/>
+            </a:prstGeom>
+          </p:spPr>
+        </p:pic>
+        <p:pic>
+          <p:nvPicPr>
+            <p:cNvPr id="20" name="図 19"/>
+            <p:cNvPicPr>
+              <a:picLocks noChangeAspect="1"/>
+            </p:cNvPicPr>
+            <p:nvPr/>
+          </p:nvPicPr>
+          <p:blipFill>
+            <a:blip r:embed="rId6" cstate="print">
+              <a:extLst>
+                <a:ext uri="{28A0092B-C50C-407E-A947-70E740481C1C}">
+                  <a14:useLocalDpi xmlns:a14="http://schemas.microsoft.com/office/drawing/2010/main" val="0"/>
+                </a:ext>
+              </a:extLst>
+            </a:blip>
+            <a:stretch>
+              <a:fillRect/>
+            </a:stretch>
+          </p:blipFill>
+          <p:spPr>
+            <a:xfrm>
+              <a:off x="4558086" y="4240405"/>
+              <a:ext cx="780290" cy="780290"/>
+            </a:xfrm>
+            <a:prstGeom prst="rect">
+              <a:avLst/>
+            </a:prstGeom>
+          </p:spPr>
+        </p:pic>
+        <p:pic>
+          <p:nvPicPr>
+            <p:cNvPr id="21" name="図 20"/>
+            <p:cNvPicPr>
+              <a:picLocks noChangeAspect="1"/>
+            </p:cNvPicPr>
+            <p:nvPr/>
+          </p:nvPicPr>
+          <p:blipFill>
+            <a:blip r:embed="rId7" cstate="print">
+              <a:extLst>
+                <a:ext uri="{28A0092B-C50C-407E-A947-70E740481C1C}">
+                  <a14:useLocalDpi xmlns:a14="http://schemas.microsoft.com/office/drawing/2010/main" val="0"/>
+                </a:ext>
+              </a:extLst>
+            </a:blip>
+            <a:stretch>
+              <a:fillRect/>
+            </a:stretch>
+          </p:blipFill>
+          <p:spPr>
+            <a:xfrm>
+              <a:off x="1322541" y="4240405"/>
+              <a:ext cx="780290" cy="780290"/>
+            </a:xfrm>
+            <a:prstGeom prst="rect">
+              <a:avLst/>
+            </a:prstGeom>
+          </p:spPr>
+        </p:pic>
+        <p:sp>
+          <p:nvSpPr>
+            <p:cNvPr id="22" name="テキスト ボックス 21"/>
+            <p:cNvSpPr txBox="1"/>
+            <p:nvPr/>
+          </p:nvSpPr>
+          <p:spPr>
+            <a:xfrm>
+              <a:off x="1328088" y="5113661"/>
+              <a:ext cx="4010288" cy="523220"/>
+            </a:xfrm>
+            <a:prstGeom prst="rect">
+              <a:avLst/>
+            </a:prstGeom>
+            <a:noFill/>
+          </p:spPr>
+          <p:txBody>
+            <a:bodyPr wrap="square" rtlCol="0">
+              <a:spAutoFit/>
+            </a:bodyPr>
+            <a:lstStyle/>
+            <a:p>
+              <a:r>
+                <a:rPr lang="ja-JP" altLang="en-US" sz="2800" b="1" dirty="0"/>
+                <a:t> </a:t>
+              </a:r>
+              <a:r>
+                <a:rPr kumimoji="1" lang="ja-JP" altLang="en-US" sz="2800" b="1" dirty="0" smtClean="0"/>
+                <a:t>小　　　  中　　  　大</a:t>
+              </a:r>
+              <a:endParaRPr kumimoji="1" lang="ja-JP" altLang="en-US" sz="2800" b="1" dirty="0"/>
+            </a:p>
+          </p:txBody>
+        </p:sp>
+      </p:grpSp>
+      <p:sp>
+        <p:nvSpPr>
+          <p:cNvPr id="33" name="正方形/長方形 32"/>
+          <p:cNvSpPr/>
+          <p:nvPr/>
+        </p:nvSpPr>
+        <p:spPr>
+          <a:xfrm>
+            <a:off x="5994401" y="3129363"/>
+            <a:ext cx="5199534" cy="1017102"/>
+          </a:xfrm>
+          <a:prstGeom prst="rect">
+            <a:avLst/>
+          </a:prstGeom>
+          <a:ln>
+            <a:solidFill>
+              <a:schemeClr val="tx1"/>
+            </a:solidFill>
+          </a:ln>
+        </p:spPr>
+        <p:style>
+          <a:lnRef idx="1">
+            <a:schemeClr val="accent3"/>
+          </a:lnRef>
+          <a:fillRef idx="2">
+            <a:schemeClr val="accent3"/>
+          </a:fillRef>
+          <a:effectRef idx="1">
+            <a:schemeClr val="accent3"/>
+          </a:effectRef>
+          <a:fontRef idx="minor">
+            <a:schemeClr val="dk1"/>
+          </a:fontRef>
+        </p:style>
+        <p:txBody>
+          <a:bodyPr rtlCol="0" anchor="ctr"/>
+          <a:lstStyle/>
+          <a:p>
+            <a:pPr algn="ctr"/>
+            <a:endParaRPr kumimoji="1" lang="ja-JP" altLang="en-US"/>
+          </a:p>
+        </p:txBody>
+      </p:sp>
+      <p:sp>
+        <p:nvSpPr>
+          <p:cNvPr id="34" name="テキスト ボックス 33"/>
+          <p:cNvSpPr txBox="1"/>
+          <p:nvPr/>
+        </p:nvSpPr>
+        <p:spPr>
+          <a:xfrm>
+            <a:off x="7662123" y="3407499"/>
+            <a:ext cx="2177385" cy="461665"/>
+          </a:xfrm>
+          <a:prstGeom prst="rect">
+            <a:avLst/>
+          </a:prstGeom>
+          <a:noFill/>
+        </p:spPr>
+        <p:txBody>
+          <a:bodyPr wrap="square" rtlCol="0">
+            <a:spAutoFit/>
+          </a:bodyPr>
+          <a:lstStyle/>
+          <a:p>
+            <a:r>
+              <a:rPr lang="ja-JP" altLang="en-US" sz="2400" b="1" dirty="0"/>
+              <a:t>クールタイム</a:t>
+            </a:r>
+            <a:endParaRPr kumimoji="1" lang="ja-JP" altLang="en-US" sz="2400" b="1" dirty="0"/>
+          </a:p>
+        </p:txBody>
+      </p:sp>
+    </p:spTree>
+    <p:extLst>
+      <p:ext uri="{BB962C8B-B14F-4D97-AF65-F5344CB8AC3E}">
+        <p14:creationId xmlns:p14="http://schemas.microsoft.com/office/powerpoint/2010/main" val="3779889909"/>
+      </p:ext>
+    </p:extLst>
+  </p:cSld>
+  <p:clrMapOvr>
+    <a:masterClrMapping/>
+  </p:clrMapOvr>
+  <p:timing>
+    <p:tnLst>
+      <p:par>
+        <p:cTn id="1" dur="indefinite" restart="never" nodeType="tmRoot"/>
+      </p:par>
+    </p:tnLst>
+  </p:timing>
+</p:sld>
+</file>
+
+<file path=ppt/slides/slide5.xml><?xml version="1.0" encoding="utf-8"?>
 <p:sld xmlns:a="http://schemas.openxmlformats.org/drawingml/2006/main" xmlns:r="http://schemas.openxmlformats.org/officeDocument/2006/relationships" xmlns:p="http://schemas.openxmlformats.org/presentationml/2006/main">
   <p:cSld>
     <p:spTree>
@@ -5139,19 +5862,27 @@
           <a:prstGeom prst="mathPlus">
             <a:avLst/>
           </a:prstGeom>
+          <a:ln>
+            <a:solidFill>
+              <a:schemeClr val="accent4">
+                <a:lumMod val="20000"/>
+                <a:lumOff val="80000"/>
+              </a:schemeClr>
+            </a:solidFill>
+          </a:ln>
         </p:spPr>
         <p:style>
-          <a:lnRef idx="1">
-            <a:schemeClr val="dk1"/>
+          <a:lnRef idx="3">
+            <a:schemeClr val="lt1"/>
           </a:lnRef>
-          <a:fillRef idx="2">
+          <a:fillRef idx="1">
             <a:schemeClr val="dk1"/>
           </a:fillRef>
           <a:effectRef idx="1">
             <a:schemeClr val="dk1"/>
           </a:effectRef>
           <a:fontRef idx="minor">
-            <a:schemeClr val="dk1"/>
+            <a:schemeClr val="lt1"/>
           </a:fontRef>
         </p:style>
         <p:txBody>
@@ -5237,89 +5968,187 @@
       </p:sp>
       <p:grpSp>
         <p:nvGrpSpPr>
-          <p:cNvPr id="32" name="グループ化 31"/>
+          <p:cNvPr id="35" name="グループ化 34"/>
           <p:cNvGrpSpPr/>
           <p:nvPr/>
         </p:nvGrpSpPr>
         <p:grpSpPr>
           <a:xfrm>
-            <a:off x="8814698" y="1966940"/>
-            <a:ext cx="998282" cy="1551418"/>
-            <a:chOff x="8537941" y="1833158"/>
-            <a:chExt cx="998282" cy="1551418"/>
+            <a:off x="8836748" y="1607851"/>
+            <a:ext cx="1081591" cy="2049701"/>
+            <a:chOff x="8673406" y="1607851"/>
+            <a:chExt cx="1081591" cy="2049701"/>
           </a:xfrm>
         </p:grpSpPr>
         <p:grpSp>
           <p:nvGrpSpPr>
-            <p:cNvPr id="28" name="グループ化 27"/>
+            <p:cNvPr id="32" name="グループ化 31"/>
             <p:cNvGrpSpPr/>
             <p:nvPr/>
           </p:nvGrpSpPr>
           <p:grpSpPr>
             <a:xfrm>
-              <a:off x="8537941" y="1833158"/>
-              <a:ext cx="998282" cy="1551418"/>
-              <a:chOff x="8712578" y="2039507"/>
-              <a:chExt cx="1537015" cy="1909313"/>
+              <a:off x="8673406" y="2133600"/>
+              <a:ext cx="988030" cy="1523952"/>
+              <a:chOff x="8548193" y="1846891"/>
+              <a:chExt cx="988030" cy="1523952"/>
             </a:xfrm>
           </p:grpSpPr>
+          <p:grpSp>
+            <p:nvGrpSpPr>
+              <p:cNvPr id="28" name="グループ化 27"/>
+              <p:cNvGrpSpPr/>
+              <p:nvPr/>
+            </p:nvGrpSpPr>
+            <p:grpSpPr>
+              <a:xfrm>
+                <a:off x="8548193" y="1846891"/>
+                <a:ext cx="988029" cy="1523952"/>
+                <a:chOff x="8728364" y="2056409"/>
+                <a:chExt cx="1521229" cy="1875511"/>
+              </a:xfrm>
+            </p:grpSpPr>
+            <p:sp>
+              <p:nvSpPr>
+                <p:cNvPr id="26" name="楕円 25"/>
+                <p:cNvSpPr/>
+                <p:nvPr/>
+              </p:nvSpPr>
+              <p:spPr>
+                <a:xfrm>
+                  <a:off x="8728364" y="2056409"/>
+                  <a:ext cx="1521229" cy="1875511"/>
+                </a:xfrm>
+                <a:prstGeom prst="ellipse">
+                  <a:avLst/>
+                </a:prstGeom>
+                <a:ln w="38100">
+                  <a:solidFill>
+                    <a:schemeClr val="tx1"/>
+                  </a:solidFill>
+                </a:ln>
+              </p:spPr>
+              <p:style>
+                <a:lnRef idx="2">
+                  <a:schemeClr val="accent4">
+                    <a:shade val="50000"/>
+                  </a:schemeClr>
+                </a:lnRef>
+                <a:fillRef idx="1">
+                  <a:schemeClr val="accent4"/>
+                </a:fillRef>
+                <a:effectRef idx="0">
+                  <a:schemeClr val="accent4"/>
+                </a:effectRef>
+                <a:fontRef idx="minor">
+                  <a:schemeClr val="lt1"/>
+                </a:fontRef>
+              </p:style>
+              <p:txBody>
+                <a:bodyPr rtlCol="0" anchor="ctr"/>
+                <a:lstStyle/>
+                <a:p>
+                  <a:pPr algn="ctr"/>
+                  <a:endParaRPr kumimoji="1" lang="ja-JP" altLang="en-US"/>
+                </a:p>
+              </p:txBody>
+            </p:sp>
+            <p:sp>
+              <p:nvSpPr>
+                <p:cNvPr id="27" name="円 26"/>
+                <p:cNvSpPr/>
+                <p:nvPr/>
+              </p:nvSpPr>
+              <p:spPr>
+                <a:xfrm flipH="1">
+                  <a:off x="8728364" y="2056409"/>
+                  <a:ext cx="1521229" cy="1875511"/>
+                </a:xfrm>
+                <a:prstGeom prst="pie">
+                  <a:avLst>
+                    <a:gd name="adj1" fmla="val 2"/>
+                    <a:gd name="adj2" fmla="val 16200000"/>
+                  </a:avLst>
+                </a:prstGeom>
+                <a:ln w="38100"/>
+              </p:spPr>
+              <p:style>
+                <a:lnRef idx="2">
+                  <a:schemeClr val="dk1"/>
+                </a:lnRef>
+                <a:fillRef idx="1">
+                  <a:schemeClr val="lt1"/>
+                </a:fillRef>
+                <a:effectRef idx="0">
+                  <a:schemeClr val="dk1"/>
+                </a:effectRef>
+                <a:fontRef idx="minor">
+                  <a:schemeClr val="dk1"/>
+                </a:fontRef>
+              </p:style>
+              <p:txBody>
+                <a:bodyPr rtlCol="0" anchor="ctr"/>
+                <a:lstStyle/>
+                <a:p>
+                  <a:pPr algn="ctr"/>
+                  <a:endParaRPr kumimoji="1" lang="ja-JP" altLang="en-US">
+                    <a:solidFill>
+                      <a:schemeClr val="tx1"/>
+                    </a:solidFill>
+                  </a:endParaRPr>
+                </a:p>
+              </p:txBody>
+            </p:sp>
+          </p:grpSp>
+          <p:cxnSp>
+            <p:nvCxnSpPr>
+              <p:cNvPr id="30" name="直線コネクタ 29"/>
+              <p:cNvCxnSpPr>
+                <a:stCxn id="27" idx="0"/>
+                <a:endCxn id="27" idx="2"/>
+              </p:cNvCxnSpPr>
+              <p:nvPr/>
+            </p:nvCxnSpPr>
+            <p:spPr>
+              <a:xfrm>
+                <a:off x="8548194" y="2608867"/>
+                <a:ext cx="988029" cy="0"/>
+              </a:xfrm>
+              <a:prstGeom prst="line">
+                <a:avLst/>
+              </a:prstGeom>
+              <a:ln w="38100"/>
+            </p:spPr>
+            <p:style>
+              <a:lnRef idx="3">
+                <a:schemeClr val="dk1"/>
+              </a:lnRef>
+              <a:fillRef idx="0">
+                <a:schemeClr val="dk1"/>
+              </a:fillRef>
+              <a:effectRef idx="2">
+                <a:schemeClr val="dk1"/>
+              </a:effectRef>
+              <a:fontRef idx="minor">
+                <a:schemeClr val="tx1"/>
+              </a:fontRef>
+            </p:style>
+          </p:cxnSp>
           <p:sp>
             <p:nvSpPr>
-              <p:cNvPr id="26" name="楕円 25"/>
+              <p:cNvPr id="31" name="角丸四角形 30"/>
               <p:cNvSpPr/>
               <p:nvPr/>
             </p:nvSpPr>
             <p:spPr>
               <a:xfrm>
-                <a:off x="8728364" y="2056409"/>
-                <a:ext cx="1521229" cy="1875511"/>
+                <a:off x="8979151" y="1972323"/>
+                <a:ext cx="118878" cy="501650"/>
               </a:xfrm>
-              <a:prstGeom prst="ellipse">
+              <a:prstGeom prst="roundRect">
                 <a:avLst/>
               </a:prstGeom>
-            </p:spPr>
-            <p:style>
-              <a:lnRef idx="2">
-                <a:schemeClr val="accent4">
-                  <a:shade val="50000"/>
-                </a:schemeClr>
-              </a:lnRef>
-              <a:fillRef idx="1">
-                <a:schemeClr val="accent4"/>
-              </a:fillRef>
-              <a:effectRef idx="0">
-                <a:schemeClr val="accent4"/>
-              </a:effectRef>
-              <a:fontRef idx="minor">
-                <a:schemeClr val="lt1"/>
-              </a:fontRef>
-            </p:style>
-            <p:txBody>
-              <a:bodyPr rtlCol="0" anchor="ctr"/>
-              <a:lstStyle/>
-              <a:p>
-                <a:pPr algn="ctr"/>
-                <a:endParaRPr kumimoji="1" lang="ja-JP" altLang="en-US"/>
-              </a:p>
-            </p:txBody>
-          </p:sp>
-          <p:sp>
-            <p:nvSpPr>
-              <p:cNvPr id="27" name="円 26"/>
-              <p:cNvSpPr/>
-              <p:nvPr/>
-            </p:nvSpPr>
-            <p:spPr>
-              <a:xfrm flipH="1">
-                <a:off x="8712578" y="2039507"/>
-                <a:ext cx="1537015" cy="1909313"/>
-              </a:xfrm>
-              <a:prstGeom prst="pie">
-                <a:avLst>
-                  <a:gd name="adj1" fmla="val 2"/>
-                  <a:gd name="adj2" fmla="val 16200000"/>
-                </a:avLst>
-              </a:prstGeom>
+              <a:ln w="38100"/>
             </p:spPr>
             <p:style>
               <a:lnRef idx="2">
@@ -5340,33 +6169,74 @@
               <a:lstStyle/>
               <a:p>
                 <a:pPr algn="ctr"/>
-                <a:endParaRPr kumimoji="1" lang="ja-JP" altLang="en-US">
-                  <a:solidFill>
-                    <a:schemeClr val="tx1"/>
-                  </a:solidFill>
-                </a:endParaRPr>
+                <a:endParaRPr kumimoji="1" lang="ja-JP" altLang="en-US"/>
               </a:p>
             </p:txBody>
           </p:sp>
         </p:grpSp>
-        <p:cxnSp>
-          <p:nvCxnSpPr>
-            <p:cNvPr id="30" name="直線コネクタ 29"/>
-            <p:cNvCxnSpPr>
-              <a:stCxn id="27" idx="0"/>
-              <a:endCxn id="27" idx="2"/>
-            </p:cNvCxnSpPr>
+        <p:sp>
+          <p:nvSpPr>
+            <p:cNvPr id="34" name="フリーフォーム 33"/>
+            <p:cNvSpPr/>
             <p:nvPr/>
-          </p:nvCxnSpPr>
+          </p:nvSpPr>
           <p:spPr>
             <a:xfrm>
-              <a:off x="8537941" y="2608867"/>
-              <a:ext cx="998282" cy="0"/>
+              <a:off x="8751115" y="1607851"/>
+              <a:ext cx="1003882" cy="525749"/>
             </a:xfrm>
-            <a:prstGeom prst="line">
+            <a:custGeom>
               <a:avLst/>
-            </a:prstGeom>
-            <a:ln/>
+              <a:gdLst>
+                <a:gd name="connsiteX0" fmla="*/ 424416 w 1003882"/>
+                <a:gd name="connsiteY0" fmla="*/ 441434 h 441434"/>
+                <a:gd name="connsiteX1" fmla="*/ 14513 w 1003882"/>
+                <a:gd name="connsiteY1" fmla="*/ 52551 h 441434"/>
+                <a:gd name="connsiteX2" fmla="*/ 886871 w 1003882"/>
+                <a:gd name="connsiteY2" fmla="*/ 147144 h 441434"/>
+                <a:gd name="connsiteX3" fmla="*/ 970954 w 1003882"/>
+                <a:gd name="connsiteY3" fmla="*/ 0 h 441434"/>
+              </a:gdLst>
+              <a:ahLst/>
+              <a:cxnLst>
+                <a:cxn ang="0">
+                  <a:pos x="connsiteX0" y="connsiteY0"/>
+                </a:cxn>
+                <a:cxn ang="0">
+                  <a:pos x="connsiteX1" y="connsiteY1"/>
+                </a:cxn>
+                <a:cxn ang="0">
+                  <a:pos x="connsiteX2" y="connsiteY2"/>
+                </a:cxn>
+                <a:cxn ang="0">
+                  <a:pos x="connsiteX3" y="connsiteY3"/>
+                </a:cxn>
+              </a:cxnLst>
+              <a:rect l="l" t="t" r="r" b="b"/>
+              <a:pathLst>
+                <a:path w="1003882" h="441434">
+                  <a:moveTo>
+                    <a:pt x="424416" y="441434"/>
+                  </a:moveTo>
+                  <a:cubicBezTo>
+                    <a:pt x="180926" y="271516"/>
+                    <a:pt x="-62563" y="101599"/>
+                    <a:pt x="14513" y="52551"/>
+                  </a:cubicBezTo>
+                  <a:cubicBezTo>
+                    <a:pt x="91589" y="3503"/>
+                    <a:pt x="727464" y="155902"/>
+                    <a:pt x="886871" y="147144"/>
+                  </a:cubicBezTo>
+                  <a:cubicBezTo>
+                    <a:pt x="1046278" y="138386"/>
+                    <a:pt x="1008616" y="69193"/>
+                    <a:pt x="970954" y="0"/>
+                  </a:cubicBezTo>
+                </a:path>
+              </a:pathLst>
+            </a:custGeom>
+            <a:ln w="28575"/>
           </p:spPr>
           <p:style>
             <a:lnRef idx="3">
@@ -5380,36 +6250,6 @@
             </a:effectRef>
             <a:fontRef idx="minor">
               <a:schemeClr val="tx1"/>
-            </a:fontRef>
-          </p:style>
-        </p:cxnSp>
-        <p:sp>
-          <p:nvSpPr>
-            <p:cNvPr id="31" name="角丸四角形 30"/>
-            <p:cNvSpPr/>
-            <p:nvPr/>
-          </p:nvSpPr>
-          <p:spPr>
-            <a:xfrm>
-              <a:off x="8977643" y="1998192"/>
-              <a:ext cx="118878" cy="501650"/>
-            </a:xfrm>
-            <a:prstGeom prst="roundRect">
-              <a:avLst/>
-            </a:prstGeom>
-          </p:spPr>
-          <p:style>
-            <a:lnRef idx="2">
-              <a:schemeClr val="dk1"/>
-            </a:lnRef>
-            <a:fillRef idx="1">
-              <a:schemeClr val="lt1"/>
-            </a:fillRef>
-            <a:effectRef idx="0">
-              <a:schemeClr val="dk1"/>
-            </a:effectRef>
-            <a:fontRef idx="minor">
-              <a:schemeClr val="dk1"/>
             </a:fontRef>
           </p:style>
           <p:txBody>

--- a/個人制作/ゲームコンテスト提出 _企画書.pptx
+++ b/個人制作/ゲームコンテスト提出 _企画書.pptx
@@ -247,7 +247,7 @@
           <a:p>
             <a:fld id="{F9094140-B468-42A8-8146-BBA6387CCA3E}" type="datetimeFigureOut">
               <a:rPr kumimoji="1" lang="ja-JP" altLang="en-US" smtClean="0"/>
-              <a:t>2024/12/13</a:t>
+              <a:t>2024/12/16</a:t>
             </a:fld>
             <a:endParaRPr kumimoji="1" lang="ja-JP" altLang="en-US"/>
           </a:p>
@@ -449,7 +449,7 @@
           <a:p>
             <a:fld id="{F9094140-B468-42A8-8146-BBA6387CCA3E}" type="datetimeFigureOut">
               <a:rPr kumimoji="1" lang="ja-JP" altLang="en-US" smtClean="0"/>
-              <a:t>2024/12/13</a:t>
+              <a:t>2024/12/16</a:t>
             </a:fld>
             <a:endParaRPr kumimoji="1" lang="ja-JP" altLang="en-US"/>
           </a:p>
@@ -661,7 +661,7 @@
           <a:p>
             <a:fld id="{F9094140-B468-42A8-8146-BBA6387CCA3E}" type="datetimeFigureOut">
               <a:rPr kumimoji="1" lang="ja-JP" altLang="en-US" smtClean="0"/>
-              <a:t>2024/12/13</a:t>
+              <a:t>2024/12/16</a:t>
             </a:fld>
             <a:endParaRPr kumimoji="1" lang="ja-JP" altLang="en-US"/>
           </a:p>
@@ -863,7 +863,7 @@
           <a:p>
             <a:fld id="{F9094140-B468-42A8-8146-BBA6387CCA3E}" type="datetimeFigureOut">
               <a:rPr kumimoji="1" lang="ja-JP" altLang="en-US" smtClean="0"/>
-              <a:t>2024/12/13</a:t>
+              <a:t>2024/12/16</a:t>
             </a:fld>
             <a:endParaRPr kumimoji="1" lang="ja-JP" altLang="en-US"/>
           </a:p>
@@ -1109,7 +1109,7 @@
           <a:p>
             <a:fld id="{F9094140-B468-42A8-8146-BBA6387CCA3E}" type="datetimeFigureOut">
               <a:rPr kumimoji="1" lang="ja-JP" altLang="en-US" smtClean="0"/>
-              <a:t>2024/12/13</a:t>
+              <a:t>2024/12/16</a:t>
             </a:fld>
             <a:endParaRPr kumimoji="1" lang="ja-JP" altLang="en-US"/>
           </a:p>
@@ -1405,7 +1405,7 @@
           <a:p>
             <a:fld id="{F9094140-B468-42A8-8146-BBA6387CCA3E}" type="datetimeFigureOut">
               <a:rPr kumimoji="1" lang="ja-JP" altLang="en-US" smtClean="0"/>
-              <a:t>2024/12/13</a:t>
+              <a:t>2024/12/16</a:t>
             </a:fld>
             <a:endParaRPr kumimoji="1" lang="ja-JP" altLang="en-US"/>
           </a:p>
@@ -1836,7 +1836,7 @@
           <a:p>
             <a:fld id="{F9094140-B468-42A8-8146-BBA6387CCA3E}" type="datetimeFigureOut">
               <a:rPr kumimoji="1" lang="ja-JP" altLang="en-US" smtClean="0"/>
-              <a:t>2024/12/13</a:t>
+              <a:t>2024/12/16</a:t>
             </a:fld>
             <a:endParaRPr kumimoji="1" lang="ja-JP" altLang="en-US"/>
           </a:p>
@@ -1954,7 +1954,7 @@
           <a:p>
             <a:fld id="{F9094140-B468-42A8-8146-BBA6387CCA3E}" type="datetimeFigureOut">
               <a:rPr kumimoji="1" lang="ja-JP" altLang="en-US" smtClean="0"/>
-              <a:t>2024/12/13</a:t>
+              <a:t>2024/12/16</a:t>
             </a:fld>
             <a:endParaRPr kumimoji="1" lang="ja-JP" altLang="en-US"/>
           </a:p>
@@ -2049,7 +2049,7 @@
           <a:p>
             <a:fld id="{F9094140-B468-42A8-8146-BBA6387CCA3E}" type="datetimeFigureOut">
               <a:rPr kumimoji="1" lang="ja-JP" altLang="en-US" smtClean="0"/>
-              <a:t>2024/12/13</a:t>
+              <a:t>2024/12/16</a:t>
             </a:fld>
             <a:endParaRPr kumimoji="1" lang="ja-JP" altLang="en-US"/>
           </a:p>
@@ -2358,7 +2358,7 @@
           <a:p>
             <a:fld id="{F9094140-B468-42A8-8146-BBA6387CCA3E}" type="datetimeFigureOut">
               <a:rPr kumimoji="1" lang="ja-JP" altLang="en-US" smtClean="0"/>
-              <a:t>2024/12/13</a:t>
+              <a:t>2024/12/16</a:t>
             </a:fld>
             <a:endParaRPr kumimoji="1" lang="ja-JP" altLang="en-US"/>
           </a:p>
@@ -2611,7 +2611,7 @@
           <a:p>
             <a:fld id="{F9094140-B468-42A8-8146-BBA6387CCA3E}" type="datetimeFigureOut">
               <a:rPr kumimoji="1" lang="ja-JP" altLang="en-US" smtClean="0"/>
-              <a:t>2024/12/13</a:t>
+              <a:t>2024/12/16</a:t>
             </a:fld>
             <a:endParaRPr kumimoji="1" lang="ja-JP" altLang="en-US"/>
           </a:p>
@@ -2856,7 +2856,7 @@
           <a:p>
             <a:fld id="{F9094140-B468-42A8-8146-BBA6387CCA3E}" type="datetimeFigureOut">
               <a:rPr kumimoji="1" lang="ja-JP" altLang="en-US" smtClean="0"/>
-              <a:t>2024/12/13</a:t>
+              <a:t>2024/12/16</a:t>
             </a:fld>
             <a:endParaRPr kumimoji="1" lang="ja-JP" altLang="en-US"/>
           </a:p>
@@ -4583,7 +4583,7 @@
         <p:spPr>
           <a:xfrm>
             <a:off x="794867" y="4153830"/>
-            <a:ext cx="10399068" cy="1826056"/>
+            <a:ext cx="5199534" cy="1826056"/>
           </a:xfrm>
           <a:prstGeom prst="rect">
             <a:avLst/>
@@ -4625,7 +4625,7 @@
         </p:nvSpPr>
         <p:spPr>
           <a:xfrm>
-            <a:off x="3237986" y="1701798"/>
+            <a:off x="3237986" y="1709547"/>
             <a:ext cx="5317262" cy="750234"/>
           </a:xfrm>
           <a:prstGeom prst="rect">
@@ -4967,7 +4967,7 @@
         </p:nvGrpSpPr>
         <p:grpSpPr>
           <a:xfrm>
-            <a:off x="4090855" y="4567142"/>
+            <a:off x="1386716" y="4505587"/>
             <a:ext cx="4015835" cy="1396476"/>
             <a:chOff x="1322541" y="4240405"/>
             <a:chExt cx="4015835" cy="1396476"/>
@@ -5106,7 +5106,7 @@
         </p:nvSpPr>
         <p:spPr>
           <a:xfrm>
-            <a:off x="5994401" y="3129363"/>
+            <a:off x="6002344" y="3136728"/>
             <a:ext cx="5199534" cy="1017102"/>
           </a:xfrm>
           <a:prstGeom prst="rect">
@@ -5168,6 +5168,247 @@
               <a:t>クールタイム</a:t>
             </a:r>
             <a:endParaRPr kumimoji="1" lang="ja-JP" altLang="en-US" sz="2400" b="1" dirty="0"/>
+          </a:p>
+        </p:txBody>
+      </p:sp>
+      <p:sp>
+        <p:nvSpPr>
+          <p:cNvPr id="24" name="正方形/長方形 23"/>
+          <p:cNvSpPr/>
+          <p:nvPr/>
+        </p:nvSpPr>
+        <p:spPr>
+          <a:xfrm>
+            <a:off x="6002344" y="4153830"/>
+            <a:ext cx="5199534" cy="1826056"/>
+          </a:xfrm>
+          <a:prstGeom prst="rect">
+            <a:avLst/>
+          </a:prstGeom>
+          <a:ln>
+            <a:solidFill>
+              <a:schemeClr val="tx1"/>
+            </a:solidFill>
+          </a:ln>
+        </p:spPr>
+        <p:style>
+          <a:lnRef idx="1">
+            <a:schemeClr val="accent2"/>
+          </a:lnRef>
+          <a:fillRef idx="2">
+            <a:schemeClr val="accent2"/>
+          </a:fillRef>
+          <a:effectRef idx="1">
+            <a:schemeClr val="accent2"/>
+          </a:effectRef>
+          <a:fontRef idx="minor">
+            <a:schemeClr val="dk1"/>
+          </a:fontRef>
+        </p:style>
+        <p:txBody>
+          <a:bodyPr rtlCol="0" anchor="ctr"/>
+          <a:lstStyle/>
+          <a:p>
+            <a:pPr algn="ctr"/>
+            <a:endParaRPr kumimoji="1" lang="ja-JP" altLang="en-US"/>
+          </a:p>
+        </p:txBody>
+      </p:sp>
+      <p:pic>
+        <p:nvPicPr>
+          <p:cNvPr id="25" name="図 24"/>
+          <p:cNvPicPr>
+            <a:picLocks noChangeAspect="1"/>
+          </p:cNvPicPr>
+          <p:nvPr/>
+        </p:nvPicPr>
+        <p:blipFill>
+          <a:blip r:embed="rId6" cstate="print">
+            <a:extLst>
+              <a:ext uri="{28A0092B-C50C-407E-A947-70E740481C1C}">
+                <a14:useLocalDpi xmlns:a14="http://schemas.microsoft.com/office/drawing/2010/main" val="0"/>
+              </a:ext>
+            </a:extLst>
+          </a:blip>
+          <a:stretch>
+            <a:fillRect/>
+          </a:stretch>
+        </p:blipFill>
+        <p:spPr>
+          <a:xfrm>
+            <a:off x="9898742" y="4506003"/>
+            <a:ext cx="780290" cy="780290"/>
+          </a:xfrm>
+          <a:prstGeom prst="rect">
+            <a:avLst/>
+          </a:prstGeom>
+        </p:spPr>
+      </p:pic>
+      <p:pic>
+        <p:nvPicPr>
+          <p:cNvPr id="26" name="図 25"/>
+          <p:cNvPicPr>
+            <a:picLocks noChangeAspect="1"/>
+          </p:cNvPicPr>
+          <p:nvPr/>
+        </p:nvPicPr>
+        <p:blipFill>
+          <a:blip r:embed="rId5" cstate="print">
+            <a:extLst>
+              <a:ext uri="{28A0092B-C50C-407E-A947-70E740481C1C}">
+                <a14:useLocalDpi xmlns:a14="http://schemas.microsoft.com/office/drawing/2010/main" val="0"/>
+              </a:ext>
+            </a:extLst>
+          </a:blip>
+          <a:stretch>
+            <a:fillRect/>
+          </a:stretch>
+        </p:blipFill>
+        <p:spPr>
+          <a:xfrm>
+            <a:off x="8211911" y="4505587"/>
+            <a:ext cx="780290" cy="780290"/>
+          </a:xfrm>
+          <a:prstGeom prst="rect">
+            <a:avLst/>
+          </a:prstGeom>
+        </p:spPr>
+      </p:pic>
+      <p:pic>
+        <p:nvPicPr>
+          <p:cNvPr id="27" name="図 26"/>
+          <p:cNvPicPr>
+            <a:picLocks noChangeAspect="1"/>
+          </p:cNvPicPr>
+          <p:nvPr/>
+        </p:nvPicPr>
+        <p:blipFill>
+          <a:blip r:embed="rId7" cstate="print">
+            <a:extLst>
+              <a:ext uri="{28A0092B-C50C-407E-A947-70E740481C1C}">
+                <a14:useLocalDpi xmlns:a14="http://schemas.microsoft.com/office/drawing/2010/main" val="0"/>
+              </a:ext>
+            </a:extLst>
+          </a:blip>
+          <a:stretch>
+            <a:fillRect/>
+          </a:stretch>
+        </p:blipFill>
+        <p:spPr>
+          <a:xfrm>
+            <a:off x="6525080" y="4505587"/>
+            <a:ext cx="780290" cy="780290"/>
+          </a:xfrm>
+          <a:prstGeom prst="rect">
+            <a:avLst/>
+          </a:prstGeom>
+        </p:spPr>
+      </p:pic>
+      <p:sp>
+        <p:nvSpPr>
+          <p:cNvPr id="2" name="テキスト ボックス 1"/>
+          <p:cNvSpPr txBox="1"/>
+          <p:nvPr/>
+        </p:nvSpPr>
+        <p:spPr>
+          <a:xfrm>
+            <a:off x="6624279" y="5371271"/>
+            <a:ext cx="581891" cy="523220"/>
+          </a:xfrm>
+          <a:prstGeom prst="rect">
+            <a:avLst/>
+          </a:prstGeom>
+          <a:noFill/>
+        </p:spPr>
+        <p:txBody>
+          <a:bodyPr wrap="square" rtlCol="0">
+            <a:spAutoFit/>
+          </a:bodyPr>
+          <a:lstStyle/>
+          <a:p>
+            <a:r>
+              <a:rPr kumimoji="1" lang="ja-JP" altLang="en-US" sz="2800" b="1" dirty="0" smtClean="0"/>
+              <a:t>少</a:t>
+            </a:r>
+            <a:endParaRPr kumimoji="1" lang="ja-JP" altLang="en-US" sz="2800" b="1" dirty="0"/>
+          </a:p>
+        </p:txBody>
+      </p:sp>
+      <p:sp>
+        <p:nvSpPr>
+          <p:cNvPr id="3" name="テキスト ボックス 2"/>
+          <p:cNvSpPr txBox="1"/>
+          <p:nvPr/>
+        </p:nvSpPr>
+        <p:spPr>
+          <a:xfrm>
+            <a:off x="10006836" y="5378843"/>
+            <a:ext cx="564102" cy="523220"/>
+          </a:xfrm>
+          <a:prstGeom prst="rect">
+            <a:avLst/>
+          </a:prstGeom>
+          <a:noFill/>
+        </p:spPr>
+        <p:txBody>
+          <a:bodyPr wrap="square" rtlCol="0">
+            <a:spAutoFit/>
+          </a:bodyPr>
+          <a:lstStyle/>
+          <a:p>
+            <a:r>
+              <a:rPr kumimoji="1" lang="ja-JP" altLang="en-US" sz="2800" b="1" dirty="0" smtClean="0"/>
+              <a:t>多</a:t>
+            </a:r>
+            <a:endParaRPr kumimoji="1" lang="ja-JP" altLang="en-US" sz="2800" b="1" dirty="0"/>
+          </a:p>
+        </p:txBody>
+      </p:sp>
+      <p:sp>
+        <p:nvSpPr>
+          <p:cNvPr id="7" name="フローチャート: 組合せ 6"/>
+          <p:cNvSpPr/>
+          <p:nvPr/>
+        </p:nvSpPr>
+        <p:spPr>
+          <a:xfrm rot="5400000">
+            <a:off x="8314663" y="4671308"/>
+            <a:ext cx="468925" cy="1923146"/>
+          </a:xfrm>
+          <a:prstGeom prst="flowChartMerge">
+            <a:avLst/>
+          </a:prstGeom>
+          <a:solidFill>
+            <a:srgbClr val="FFFF00"/>
+          </a:solidFill>
+          <a:ln>
+            <a:solidFill>
+              <a:schemeClr val="tx1"/>
+            </a:solidFill>
+          </a:ln>
+        </p:spPr>
+        <p:style>
+          <a:lnRef idx="2">
+            <a:schemeClr val="accent1">
+              <a:shade val="50000"/>
+            </a:schemeClr>
+          </a:lnRef>
+          <a:fillRef idx="1">
+            <a:schemeClr val="accent1"/>
+          </a:fillRef>
+          <a:effectRef idx="0">
+            <a:schemeClr val="accent1"/>
+          </a:effectRef>
+          <a:fontRef idx="minor">
+            <a:schemeClr val="lt1"/>
+          </a:fontRef>
+        </p:style>
+        <p:txBody>
+          <a:bodyPr rtlCol="0" anchor="ctr"/>
+          <a:lstStyle/>
+          <a:p>
+            <a:pPr algn="ctr"/>
+            <a:endParaRPr kumimoji="1" lang="ja-JP" altLang="en-US"/>
           </a:p>
         </p:txBody>
       </p:sp>
